--- a/Homework7/Presentation1.pptx
+++ b/Homework7/Presentation1.pptx
@@ -5,15 +5,16 @@
     <p:sldMasterId id="2147483659" r:id="rId1"/>
   </p:sldMasterIdLst>
   <p:notesMasterIdLst>
-    <p:notesMasterId r:id="rId8"/>
+    <p:notesMasterId r:id="rId9"/>
   </p:notesMasterIdLst>
   <p:sldIdLst>
     <p:sldId id="256" r:id="rId2"/>
     <p:sldId id="257" r:id="rId3"/>
-    <p:sldId id="258" r:id="rId4"/>
-    <p:sldId id="259" r:id="rId5"/>
-    <p:sldId id="260" r:id="rId6"/>
-    <p:sldId id="261" r:id="rId7"/>
+    <p:sldId id="262" r:id="rId4"/>
+    <p:sldId id="258" r:id="rId5"/>
+    <p:sldId id="259" r:id="rId6"/>
+    <p:sldId id="260" r:id="rId7"/>
+    <p:sldId id="261" r:id="rId8"/>
   </p:sldIdLst>
   <p:sldSz cx="9144000" cy="5143500" type="screen16x9"/>
   <p:notesSz cx="6858000" cy="9144000"/>
@@ -1255,7 +1256,7 @@
         </p:nvSpPr>
         <p:spPr>
           <a:xfrm>
-            <a:off x="381300" y="685800"/>
+            <a:off x="381000" y="685800"/>
             <a:ext cx="6096000" cy="3429000"/>
           </a:xfrm>
           <a:custGeom>
@@ -6423,7 +6424,7 @@
                   <a:schemeClr val="tx2"/>
                 </a:solidFill>
               </a:rPr>
-              <a:t>Brief Introduction</a:t>
+              <a:t>1. Brief Introduction</a:t>
             </a:r>
             <a:endParaRPr sz="1600" dirty="0">
               <a:solidFill>
@@ -6471,7 +6472,7 @@
                   <a:schemeClr val="tx2"/>
                 </a:solidFill>
               </a:rPr>
-              <a:t>Changes from the previous</a:t>
+              <a:t>2. Changes from the previous</a:t>
             </a:r>
           </a:p>
           <a:p>
@@ -6607,7 +6608,7 @@
                   <a:schemeClr val="tx2"/>
                 </a:solidFill>
               </a:rPr>
-              <a:t>Stories</a:t>
+              <a:t>3. Planned for the next</a:t>
             </a:r>
           </a:p>
           <a:p>
@@ -6630,7 +6631,30 @@
                   <a:schemeClr val="tx2"/>
                 </a:solidFill>
               </a:rPr>
-              <a:t>Planned for the next</a:t>
+              <a:t>API connection</a:t>
+            </a:r>
+          </a:p>
+          <a:p>
+            <a:pPr marL="457200" lvl="0" indent="-292100" algn="l" rtl="0">
+              <a:spcBef>
+                <a:spcPts val="0"/>
+              </a:spcBef>
+              <a:spcAft>
+                <a:spcPts val="0"/>
+              </a:spcAft>
+              <a:buClr>
+                <a:schemeClr val="dk1"/>
+              </a:buClr>
+              <a:buSzPts val="1000"/>
+              <a:buChar char="●"/>
+            </a:pPr>
+            <a:r>
+              <a:rPr lang="en" sz="1600" dirty="0">
+                <a:solidFill>
+                  <a:schemeClr val="tx2"/>
+                </a:solidFill>
+              </a:rPr>
+              <a:t>MVP prototype</a:t>
             </a:r>
             <a:endParaRPr sz="1600" dirty="0">
               <a:solidFill>
@@ -6681,6 +6705,740 @@
 <file path=ppt/slides/slide3.xml><?xml version="1.0" encoding="utf-8"?>
 <p:sld xmlns:a="http://schemas.openxmlformats.org/drawingml/2006/main" xmlns:r="http://schemas.openxmlformats.org/officeDocument/2006/relationships" xmlns:p="http://schemas.openxmlformats.org/presentationml/2006/main">
   <p:cSld>
+    <p:bg>
+      <p:bgPr>
+        <a:solidFill>
+          <a:schemeClr val="tx1"/>
+        </a:solidFill>
+        <a:effectLst/>
+      </p:bgPr>
+    </p:bg>
+    <p:spTree>
+      <p:nvGrpSpPr>
+        <p:cNvPr id="1" name=""/>
+        <p:cNvGrpSpPr/>
+        <p:nvPr/>
+      </p:nvGrpSpPr>
+      <p:grpSpPr>
+        <a:xfrm>
+          <a:off x="0" y="0"/>
+          <a:ext cx="0" cy="0"/>
+          <a:chOff x="0" y="0"/>
+          <a:chExt cx="0" cy="0"/>
+        </a:xfrm>
+      </p:grpSpPr>
+      <p:sp>
+        <p:nvSpPr>
+          <p:cNvPr id="4" name="文本框 3">
+            <a:extLst>
+              <a:ext uri="{FF2B5EF4-FFF2-40B4-BE49-F238E27FC236}">
+                <a16:creationId xmlns:a16="http://schemas.microsoft.com/office/drawing/2014/main" id="{362A075E-9C6A-3AD9-538C-50EB1577BE7F}"/>
+              </a:ext>
+            </a:extLst>
+          </p:cNvPr>
+          <p:cNvSpPr txBox="1"/>
+          <p:nvPr/>
+        </p:nvSpPr>
+        <p:spPr>
+          <a:xfrm>
+            <a:off x="313660" y="244549"/>
+            <a:ext cx="2528256" cy="461665"/>
+          </a:xfrm>
+          <a:prstGeom prst="rect">
+            <a:avLst/>
+          </a:prstGeom>
+          <a:noFill/>
+        </p:spPr>
+        <p:txBody>
+          <a:bodyPr wrap="none" rtlCol="0">
+            <a:spAutoFit/>
+          </a:bodyPr>
+          <a:lstStyle/>
+          <a:p>
+            <a:r>
+              <a:rPr lang="en-US" altLang="zh-CN" sz="2400" dirty="0">
+                <a:solidFill>
+                  <a:schemeClr val="bg1"/>
+                </a:solidFill>
+              </a:rPr>
+              <a:t>APP Architecture</a:t>
+            </a:r>
+            <a:endParaRPr lang="zh-CN" altLang="en-US" sz="2400" dirty="0">
+              <a:solidFill>
+                <a:schemeClr val="bg1"/>
+              </a:solidFill>
+            </a:endParaRPr>
+          </a:p>
+        </p:txBody>
+      </p:sp>
+      <p:pic>
+        <p:nvPicPr>
+          <p:cNvPr id="6" name="图片 5" descr="图形用户界面, 应用程序&#10;&#10;描述已自动生成">
+            <a:extLst>
+              <a:ext uri="{FF2B5EF4-FFF2-40B4-BE49-F238E27FC236}">
+                <a16:creationId xmlns:a16="http://schemas.microsoft.com/office/drawing/2014/main" id="{416CCF25-74B9-9C3D-B56E-1B2E96DD074C}"/>
+              </a:ext>
+            </a:extLst>
+          </p:cNvPr>
+          <p:cNvPicPr>
+            <a:picLocks noChangeAspect="1"/>
+          </p:cNvPicPr>
+          <p:nvPr/>
+        </p:nvPicPr>
+        <p:blipFill>
+          <a:blip r:embed="rId2"/>
+          <a:stretch>
+            <a:fillRect/>
+          </a:stretch>
+        </p:blipFill>
+        <p:spPr>
+          <a:xfrm>
+            <a:off x="376939" y="1793835"/>
+            <a:ext cx="1231963" cy="1555830"/>
+          </a:xfrm>
+          <a:prstGeom prst="rect">
+            <a:avLst/>
+          </a:prstGeom>
+        </p:spPr>
+      </p:pic>
+      <p:sp>
+        <p:nvSpPr>
+          <p:cNvPr id="7" name="文本框 6">
+            <a:extLst>
+              <a:ext uri="{FF2B5EF4-FFF2-40B4-BE49-F238E27FC236}">
+                <a16:creationId xmlns:a16="http://schemas.microsoft.com/office/drawing/2014/main" id="{8803A124-EEB5-A51F-0334-1354EAAE7C83}"/>
+              </a:ext>
+            </a:extLst>
+          </p:cNvPr>
+          <p:cNvSpPr txBox="1"/>
+          <p:nvPr/>
+        </p:nvSpPr>
+        <p:spPr>
+          <a:xfrm>
+            <a:off x="2275832" y="3184861"/>
+            <a:ext cx="2087431" cy="307777"/>
+          </a:xfrm>
+          <a:prstGeom prst="rect">
+            <a:avLst/>
+          </a:prstGeom>
+          <a:noFill/>
+        </p:spPr>
+        <p:txBody>
+          <a:bodyPr wrap="none" rtlCol="0">
+            <a:spAutoFit/>
+          </a:bodyPr>
+          <a:lstStyle/>
+          <a:p>
+            <a:r>
+              <a:rPr lang="en-US" altLang="zh-CN" dirty="0">
+                <a:solidFill>
+                  <a:schemeClr val="bg1"/>
+                </a:solidFill>
+              </a:rPr>
+              <a:t>Bottom Navigation View</a:t>
+            </a:r>
+            <a:endParaRPr lang="zh-CN" altLang="en-US" dirty="0">
+              <a:solidFill>
+                <a:schemeClr val="bg1"/>
+              </a:solidFill>
+            </a:endParaRPr>
+          </a:p>
+        </p:txBody>
+      </p:sp>
+      <p:pic>
+        <p:nvPicPr>
+          <p:cNvPr id="9" name="图片 8" descr="图形用户界面&#10;&#10;中度可信度描述已自动生成">
+            <a:extLst>
+              <a:ext uri="{FF2B5EF4-FFF2-40B4-BE49-F238E27FC236}">
+                <a16:creationId xmlns:a16="http://schemas.microsoft.com/office/drawing/2014/main" id="{4AB68991-211C-4692-E782-CB50AF1F39EC}"/>
+              </a:ext>
+            </a:extLst>
+          </p:cNvPr>
+          <p:cNvPicPr>
+            <a:picLocks noChangeAspect="1"/>
+          </p:cNvPicPr>
+          <p:nvPr/>
+        </p:nvPicPr>
+        <p:blipFill>
+          <a:blip r:embed="rId3"/>
+          <a:stretch>
+            <a:fillRect/>
+          </a:stretch>
+        </p:blipFill>
+        <p:spPr>
+          <a:xfrm>
+            <a:off x="1864084" y="3571426"/>
+            <a:ext cx="2737824" cy="458314"/>
+          </a:xfrm>
+          <a:prstGeom prst="rect">
+            <a:avLst/>
+          </a:prstGeom>
+        </p:spPr>
+      </p:pic>
+      <p:sp>
+        <p:nvSpPr>
+          <p:cNvPr id="10" name="文本框 9">
+            <a:extLst>
+              <a:ext uri="{FF2B5EF4-FFF2-40B4-BE49-F238E27FC236}">
+                <a16:creationId xmlns:a16="http://schemas.microsoft.com/office/drawing/2014/main" id="{C7E336F0-391F-EDE5-8599-C2CA91F40AC9}"/>
+              </a:ext>
+            </a:extLst>
+          </p:cNvPr>
+          <p:cNvSpPr txBox="1"/>
+          <p:nvPr/>
+        </p:nvSpPr>
+        <p:spPr>
+          <a:xfrm>
+            <a:off x="397244" y="1486058"/>
+            <a:ext cx="1191352" cy="307777"/>
+          </a:xfrm>
+          <a:prstGeom prst="rect">
+            <a:avLst/>
+          </a:prstGeom>
+          <a:noFill/>
+        </p:spPr>
+        <p:txBody>
+          <a:bodyPr wrap="none" rtlCol="0">
+            <a:spAutoFit/>
+          </a:bodyPr>
+          <a:lstStyle/>
+          <a:p>
+            <a:r>
+              <a:rPr lang="en-US" altLang="zh-CN" dirty="0">
+                <a:solidFill>
+                  <a:schemeClr val="bg1"/>
+                </a:solidFill>
+              </a:rPr>
+              <a:t>Main Activity</a:t>
+            </a:r>
+            <a:endParaRPr lang="zh-CN" altLang="en-US" dirty="0">
+              <a:solidFill>
+                <a:schemeClr val="bg1"/>
+              </a:solidFill>
+            </a:endParaRPr>
+          </a:p>
+        </p:txBody>
+      </p:sp>
+      <p:sp>
+        <p:nvSpPr>
+          <p:cNvPr id="11" name="矩形 10">
+            <a:extLst>
+              <a:ext uri="{FF2B5EF4-FFF2-40B4-BE49-F238E27FC236}">
+                <a16:creationId xmlns:a16="http://schemas.microsoft.com/office/drawing/2014/main" id="{039B0179-7E08-CE73-BC5A-11EAB2271A75}"/>
+              </a:ext>
+            </a:extLst>
+          </p:cNvPr>
+          <p:cNvSpPr/>
+          <p:nvPr/>
+        </p:nvSpPr>
+        <p:spPr>
+          <a:xfrm>
+            <a:off x="2691019" y="1625238"/>
+            <a:ext cx="1036675" cy="1351154"/>
+          </a:xfrm>
+          <a:prstGeom prst="rect">
+            <a:avLst/>
+          </a:prstGeom>
+        </p:spPr>
+        <p:style>
+          <a:lnRef idx="2">
+            <a:schemeClr val="accent1">
+              <a:shade val="15000"/>
+            </a:schemeClr>
+          </a:lnRef>
+          <a:fillRef idx="1">
+            <a:schemeClr val="accent1"/>
+          </a:fillRef>
+          <a:effectRef idx="0">
+            <a:schemeClr val="accent1"/>
+          </a:effectRef>
+          <a:fontRef idx="minor">
+            <a:schemeClr val="lt1"/>
+          </a:fontRef>
+        </p:style>
+        <p:txBody>
+          <a:bodyPr rtlCol="0" anchor="ctr"/>
+          <a:lstStyle/>
+          <a:p>
+            <a:pPr algn="ctr"/>
+            <a:endParaRPr lang="zh-CN" altLang="en-US"/>
+          </a:p>
+        </p:txBody>
+      </p:sp>
+      <p:sp>
+        <p:nvSpPr>
+          <p:cNvPr id="12" name="文本框 11">
+            <a:extLst>
+              <a:ext uri="{FF2B5EF4-FFF2-40B4-BE49-F238E27FC236}">
+                <a16:creationId xmlns:a16="http://schemas.microsoft.com/office/drawing/2014/main" id="{373F6E1F-F4B1-4C71-FA70-5EA64B39FD10}"/>
+              </a:ext>
+            </a:extLst>
+          </p:cNvPr>
+          <p:cNvSpPr txBox="1"/>
+          <p:nvPr/>
+        </p:nvSpPr>
+        <p:spPr>
+          <a:xfrm>
+            <a:off x="2187666" y="1266547"/>
+            <a:ext cx="2263761" cy="307777"/>
+          </a:xfrm>
+          <a:prstGeom prst="rect">
+            <a:avLst/>
+          </a:prstGeom>
+          <a:noFill/>
+        </p:spPr>
+        <p:txBody>
+          <a:bodyPr wrap="none" rtlCol="0">
+            <a:spAutoFit/>
+          </a:bodyPr>
+          <a:lstStyle/>
+          <a:p>
+            <a:r>
+              <a:rPr lang="en-US" altLang="zh-CN" dirty="0">
+                <a:solidFill>
+                  <a:schemeClr val="bg1"/>
+                </a:solidFill>
+              </a:rPr>
+              <a:t>Navigation Host Fragment</a:t>
+            </a:r>
+            <a:endParaRPr lang="zh-CN" altLang="en-US" dirty="0">
+              <a:solidFill>
+                <a:schemeClr val="bg1"/>
+              </a:solidFill>
+            </a:endParaRPr>
+          </a:p>
+        </p:txBody>
+      </p:sp>
+      <p:pic>
+        <p:nvPicPr>
+          <p:cNvPr id="13" name="图片 12" descr="电脑屏幕的手机截图&#10;&#10;描述已自动生成">
+            <a:extLst>
+              <a:ext uri="{FF2B5EF4-FFF2-40B4-BE49-F238E27FC236}">
+                <a16:creationId xmlns:a16="http://schemas.microsoft.com/office/drawing/2014/main" id="{BB75A244-DCD4-BB37-784E-B5C127D14A3B}"/>
+              </a:ext>
+            </a:extLst>
+          </p:cNvPr>
+          <p:cNvPicPr>
+            <a:picLocks noChangeAspect="1"/>
+          </p:cNvPicPr>
+          <p:nvPr/>
+        </p:nvPicPr>
+        <p:blipFill rotWithShape="1">
+          <a:blip r:embed="rId4"/>
+          <a:srcRect t="10357" b="11112"/>
+          <a:stretch/>
+        </p:blipFill>
+        <p:spPr>
+          <a:xfrm>
+            <a:off x="5427034" y="485274"/>
+            <a:ext cx="1164962" cy="1818167"/>
+          </a:xfrm>
+          <a:prstGeom prst="rect">
+            <a:avLst/>
+          </a:prstGeom>
+        </p:spPr>
+      </p:pic>
+      <p:sp>
+        <p:nvSpPr>
+          <p:cNvPr id="14" name="文本框 13">
+            <a:extLst>
+              <a:ext uri="{FF2B5EF4-FFF2-40B4-BE49-F238E27FC236}">
+                <a16:creationId xmlns:a16="http://schemas.microsoft.com/office/drawing/2014/main" id="{0FA9E02D-2EFF-AC56-AF37-45D6ACFBDE61}"/>
+              </a:ext>
+            </a:extLst>
+          </p:cNvPr>
+          <p:cNvSpPr txBox="1"/>
+          <p:nvPr/>
+        </p:nvSpPr>
+        <p:spPr>
+          <a:xfrm>
+            <a:off x="5255943" y="127250"/>
+            <a:ext cx="1507144" cy="307777"/>
+          </a:xfrm>
+          <a:prstGeom prst="rect">
+            <a:avLst/>
+          </a:prstGeom>
+          <a:noFill/>
+        </p:spPr>
+        <p:txBody>
+          <a:bodyPr wrap="none" rtlCol="0">
+            <a:spAutoFit/>
+          </a:bodyPr>
+          <a:lstStyle/>
+          <a:p>
+            <a:r>
+              <a:rPr lang="en-US" altLang="zh-CN" dirty="0">
+                <a:solidFill>
+                  <a:schemeClr val="bg1"/>
+                </a:solidFill>
+              </a:rPr>
+              <a:t>Profile Fragment</a:t>
+            </a:r>
+            <a:endParaRPr lang="zh-CN" altLang="en-US" dirty="0">
+              <a:solidFill>
+                <a:schemeClr val="bg1"/>
+              </a:solidFill>
+            </a:endParaRPr>
+          </a:p>
+        </p:txBody>
+      </p:sp>
+      <p:pic>
+        <p:nvPicPr>
+          <p:cNvPr id="16" name="图片 15" descr="日历&#10;&#10;描述已自动生成">
+            <a:extLst>
+              <a:ext uri="{FF2B5EF4-FFF2-40B4-BE49-F238E27FC236}">
+                <a16:creationId xmlns:a16="http://schemas.microsoft.com/office/drawing/2014/main" id="{B737CF20-BE11-96AD-CFC4-B7C110335C53}"/>
+              </a:ext>
+            </a:extLst>
+          </p:cNvPr>
+          <p:cNvPicPr>
+            <a:picLocks noChangeAspect="1"/>
+          </p:cNvPicPr>
+          <p:nvPr/>
+        </p:nvPicPr>
+        <p:blipFill>
+          <a:blip r:embed="rId5"/>
+          <a:stretch>
+            <a:fillRect/>
+          </a:stretch>
+        </p:blipFill>
+        <p:spPr>
+          <a:xfrm>
+            <a:off x="6926135" y="508030"/>
+            <a:ext cx="1164962" cy="1792785"/>
+          </a:xfrm>
+          <a:prstGeom prst="rect">
+            <a:avLst/>
+          </a:prstGeom>
+        </p:spPr>
+      </p:pic>
+      <p:sp>
+        <p:nvSpPr>
+          <p:cNvPr id="17" name="文本框 16">
+            <a:extLst>
+              <a:ext uri="{FF2B5EF4-FFF2-40B4-BE49-F238E27FC236}">
+                <a16:creationId xmlns:a16="http://schemas.microsoft.com/office/drawing/2014/main" id="{F145D158-363E-DB3D-968E-26A9AEB59961}"/>
+              </a:ext>
+            </a:extLst>
+          </p:cNvPr>
+          <p:cNvSpPr txBox="1"/>
+          <p:nvPr/>
+        </p:nvSpPr>
+        <p:spPr>
+          <a:xfrm>
+            <a:off x="6725389" y="120046"/>
+            <a:ext cx="1566454" cy="307777"/>
+          </a:xfrm>
+          <a:prstGeom prst="rect">
+            <a:avLst/>
+          </a:prstGeom>
+          <a:noFill/>
+        </p:spPr>
+        <p:txBody>
+          <a:bodyPr wrap="none" rtlCol="0">
+            <a:spAutoFit/>
+          </a:bodyPr>
+          <a:lstStyle/>
+          <a:p>
+            <a:r>
+              <a:rPr lang="en-US" altLang="zh-CN" dirty="0">
+                <a:solidFill>
+                  <a:schemeClr val="bg1"/>
+                </a:solidFill>
+              </a:rPr>
+              <a:t>Search Fragment</a:t>
+            </a:r>
+            <a:endParaRPr lang="zh-CN" altLang="en-US" dirty="0">
+              <a:solidFill>
+                <a:schemeClr val="bg1"/>
+              </a:solidFill>
+            </a:endParaRPr>
+          </a:p>
+        </p:txBody>
+      </p:sp>
+      <p:pic>
+        <p:nvPicPr>
+          <p:cNvPr id="19" name="图片 18" descr="图形用户界面, 应用程序&#10;&#10;描述已自动生成">
+            <a:extLst>
+              <a:ext uri="{FF2B5EF4-FFF2-40B4-BE49-F238E27FC236}">
+                <a16:creationId xmlns:a16="http://schemas.microsoft.com/office/drawing/2014/main" id="{C7668A7C-4D06-E0B6-B90A-594B9DA75A37}"/>
+              </a:ext>
+            </a:extLst>
+          </p:cNvPr>
+          <p:cNvPicPr>
+            <a:picLocks noChangeAspect="1"/>
+          </p:cNvPicPr>
+          <p:nvPr/>
+        </p:nvPicPr>
+        <p:blipFill rotWithShape="1">
+          <a:blip r:embed="rId6"/>
+          <a:srcRect t="1033"/>
+          <a:stretch/>
+        </p:blipFill>
+        <p:spPr>
+          <a:xfrm>
+            <a:off x="7802196" y="2868069"/>
+            <a:ext cx="1164963" cy="1926912"/>
+          </a:xfrm>
+          <a:prstGeom prst="rect">
+            <a:avLst/>
+          </a:prstGeom>
+        </p:spPr>
+      </p:pic>
+      <p:sp>
+        <p:nvSpPr>
+          <p:cNvPr id="20" name="文本框 19">
+            <a:extLst>
+              <a:ext uri="{FF2B5EF4-FFF2-40B4-BE49-F238E27FC236}">
+                <a16:creationId xmlns:a16="http://schemas.microsoft.com/office/drawing/2014/main" id="{C05B64A3-76F9-45DC-48FF-F24B2C964F51}"/>
+              </a:ext>
+            </a:extLst>
+          </p:cNvPr>
+          <p:cNvSpPr txBox="1"/>
+          <p:nvPr/>
+        </p:nvSpPr>
+        <p:spPr>
+          <a:xfrm>
+            <a:off x="7508616" y="2534910"/>
+            <a:ext cx="1635384" cy="307777"/>
+          </a:xfrm>
+          <a:prstGeom prst="rect">
+            <a:avLst/>
+          </a:prstGeom>
+          <a:noFill/>
+        </p:spPr>
+        <p:txBody>
+          <a:bodyPr wrap="none" rtlCol="0">
+            <a:spAutoFit/>
+          </a:bodyPr>
+          <a:lstStyle/>
+          <a:p>
+            <a:r>
+              <a:rPr lang="en-US" altLang="zh-CN" dirty="0">
+                <a:solidFill>
+                  <a:schemeClr val="bg1"/>
+                </a:solidFill>
+              </a:rPr>
+              <a:t>Lookout Fragment</a:t>
+            </a:r>
+            <a:endParaRPr lang="zh-CN" altLang="en-US" dirty="0">
+              <a:solidFill>
+                <a:schemeClr val="bg1"/>
+              </a:solidFill>
+            </a:endParaRPr>
+          </a:p>
+        </p:txBody>
+      </p:sp>
+      <p:cxnSp>
+        <p:nvCxnSpPr>
+          <p:cNvPr id="22" name="连接符: 曲线 21">
+            <a:extLst>
+              <a:ext uri="{FF2B5EF4-FFF2-40B4-BE49-F238E27FC236}">
+                <a16:creationId xmlns:a16="http://schemas.microsoft.com/office/drawing/2014/main" id="{B1533180-385B-97C4-BCBE-FFF963A55AE4}"/>
+              </a:ext>
+            </a:extLst>
+          </p:cNvPr>
+          <p:cNvCxnSpPr>
+            <a:cxnSpLocks/>
+            <a:endCxn id="13" idx="2"/>
+          </p:cNvCxnSpPr>
+          <p:nvPr/>
+        </p:nvCxnSpPr>
+        <p:spPr>
+          <a:xfrm flipV="1">
+            <a:off x="4448877" y="2303441"/>
+            <a:ext cx="1560638" cy="1267984"/>
+          </a:xfrm>
+          <a:prstGeom prst="curvedConnector2">
+            <a:avLst/>
+          </a:prstGeom>
+          <a:ln w="76200">
+            <a:solidFill>
+              <a:schemeClr val="accent4">
+                <a:lumMod val="75000"/>
+              </a:schemeClr>
+            </a:solidFill>
+            <a:tailEnd type="triangle"/>
+          </a:ln>
+        </p:spPr>
+        <p:style>
+          <a:lnRef idx="1">
+            <a:schemeClr val="accent1"/>
+          </a:lnRef>
+          <a:fillRef idx="0">
+            <a:schemeClr val="accent1"/>
+          </a:fillRef>
+          <a:effectRef idx="0">
+            <a:schemeClr val="accent1"/>
+          </a:effectRef>
+          <a:fontRef idx="minor">
+            <a:schemeClr val="tx1"/>
+          </a:fontRef>
+        </p:style>
+      </p:cxnSp>
+      <p:cxnSp>
+        <p:nvCxnSpPr>
+          <p:cNvPr id="25" name="连接符: 曲线 24">
+            <a:extLst>
+              <a:ext uri="{FF2B5EF4-FFF2-40B4-BE49-F238E27FC236}">
+                <a16:creationId xmlns:a16="http://schemas.microsoft.com/office/drawing/2014/main" id="{5C42BBA6-89B7-44AF-150E-02703A8E075E}"/>
+              </a:ext>
+            </a:extLst>
+          </p:cNvPr>
+          <p:cNvCxnSpPr>
+            <a:stCxn id="9" idx="2"/>
+            <a:endCxn id="16" idx="2"/>
+          </p:cNvCxnSpPr>
+          <p:nvPr/>
+        </p:nvCxnSpPr>
+        <p:spPr>
+          <a:xfrm rot="5400000" flipH="1" flipV="1">
+            <a:off x="4506343" y="1027468"/>
+            <a:ext cx="1728925" cy="4275620"/>
+          </a:xfrm>
+          <a:prstGeom prst="curvedConnector3">
+            <a:avLst>
+              <a:gd name="adj1" fmla="val -13222"/>
+            </a:avLst>
+          </a:prstGeom>
+          <a:ln w="76200">
+            <a:solidFill>
+              <a:schemeClr val="accent4">
+                <a:lumMod val="75000"/>
+              </a:schemeClr>
+            </a:solidFill>
+            <a:tailEnd type="triangle"/>
+          </a:ln>
+        </p:spPr>
+        <p:style>
+          <a:lnRef idx="1">
+            <a:schemeClr val="accent1"/>
+          </a:lnRef>
+          <a:fillRef idx="0">
+            <a:schemeClr val="accent1"/>
+          </a:fillRef>
+          <a:effectRef idx="0">
+            <a:schemeClr val="accent1"/>
+          </a:effectRef>
+          <a:fontRef idx="minor">
+            <a:schemeClr val="tx1"/>
+          </a:fontRef>
+        </p:style>
+      </p:cxnSp>
+      <p:cxnSp>
+        <p:nvCxnSpPr>
+          <p:cNvPr id="27" name="连接符: 曲线 26">
+            <a:extLst>
+              <a:ext uri="{FF2B5EF4-FFF2-40B4-BE49-F238E27FC236}">
+                <a16:creationId xmlns:a16="http://schemas.microsoft.com/office/drawing/2014/main" id="{61443209-31EC-1ED9-6B11-EAC1FDEE0D82}"/>
+              </a:ext>
+            </a:extLst>
+          </p:cNvPr>
+          <p:cNvCxnSpPr>
+            <a:cxnSpLocks/>
+            <a:endCxn id="19" idx="2"/>
+          </p:cNvCxnSpPr>
+          <p:nvPr/>
+        </p:nvCxnSpPr>
+        <p:spPr>
+          <a:xfrm>
+            <a:off x="2275832" y="4055122"/>
+            <a:ext cx="6108846" cy="739859"/>
+          </a:xfrm>
+          <a:prstGeom prst="curvedConnector4">
+            <a:avLst>
+              <a:gd name="adj1" fmla="val 327"/>
+              <a:gd name="adj2" fmla="val 130898"/>
+            </a:avLst>
+          </a:prstGeom>
+          <a:ln w="76200">
+            <a:solidFill>
+              <a:schemeClr val="accent4">
+                <a:lumMod val="75000"/>
+              </a:schemeClr>
+            </a:solidFill>
+            <a:tailEnd type="triangle"/>
+          </a:ln>
+        </p:spPr>
+        <p:style>
+          <a:lnRef idx="1">
+            <a:schemeClr val="accent1"/>
+          </a:lnRef>
+          <a:fillRef idx="0">
+            <a:schemeClr val="accent1"/>
+          </a:fillRef>
+          <a:effectRef idx="0">
+            <a:schemeClr val="accent1"/>
+          </a:effectRef>
+          <a:fontRef idx="minor">
+            <a:schemeClr val="tx1"/>
+          </a:fontRef>
+        </p:style>
+      </p:cxnSp>
+      <p:sp>
+        <p:nvSpPr>
+          <p:cNvPr id="33" name="左大括号 32">
+            <a:extLst>
+              <a:ext uri="{FF2B5EF4-FFF2-40B4-BE49-F238E27FC236}">
+                <a16:creationId xmlns:a16="http://schemas.microsoft.com/office/drawing/2014/main" id="{AA1D45D1-D722-8764-D27B-AE1F28E9A2AC}"/>
+              </a:ext>
+            </a:extLst>
+          </p:cNvPr>
+          <p:cNvSpPr/>
+          <p:nvPr/>
+        </p:nvSpPr>
+        <p:spPr>
+          <a:xfrm>
+            <a:off x="4641342" y="427823"/>
+            <a:ext cx="478368" cy="4646431"/>
+          </a:xfrm>
+          <a:prstGeom prst="leftBrace">
+            <a:avLst>
+              <a:gd name="adj1" fmla="val 8333"/>
+              <a:gd name="adj2" fmla="val 39245"/>
+            </a:avLst>
+          </a:prstGeom>
+          <a:ln w="19050"/>
+        </p:spPr>
+        <p:style>
+          <a:lnRef idx="1">
+            <a:schemeClr val="accent1"/>
+          </a:lnRef>
+          <a:fillRef idx="0">
+            <a:schemeClr val="accent1"/>
+          </a:fillRef>
+          <a:effectRef idx="0">
+            <a:schemeClr val="accent1"/>
+          </a:effectRef>
+          <a:fontRef idx="minor">
+            <a:schemeClr val="tx1"/>
+          </a:fontRef>
+        </p:style>
+        <p:txBody>
+          <a:bodyPr rtlCol="0" anchor="ctr"/>
+          <a:lstStyle/>
+          <a:p>
+            <a:pPr algn="ctr"/>
+            <a:endParaRPr lang="zh-CN" altLang="en-US"/>
+          </a:p>
+        </p:txBody>
+      </p:sp>
+    </p:spTree>
+    <p:extLst>
+      <p:ext uri="{BB962C8B-B14F-4D97-AF65-F5344CB8AC3E}">
+        <p14:creationId xmlns:p14="http://schemas.microsoft.com/office/powerpoint/2010/main" val="2311694798"/>
+      </p:ext>
+    </p:extLst>
+  </p:cSld>
+  <p:clrMapOvr>
+    <a:masterClrMapping/>
+  </p:clrMapOvr>
+</p:sld>
+</file>
+
+<file path=ppt/slides/slide4.xml><?xml version="1.0" encoding="utf-8"?>
+<p:sld xmlns:a="http://schemas.openxmlformats.org/drawingml/2006/main" xmlns:r="http://schemas.openxmlformats.org/officeDocument/2006/relationships" xmlns:p="http://schemas.openxmlformats.org/presentationml/2006/main">
+  <p:cSld>
     <p:spTree>
       <p:nvGrpSpPr>
         <p:cNvPr id="1" name="Shape 64"/>
@@ -6707,8 +7465,8 @@
         </p:nvSpPr>
         <p:spPr>
           <a:xfrm>
-            <a:off x="311701" y="2371493"/>
-            <a:ext cx="2902416" cy="2197382"/>
+            <a:off x="287066" y="1923380"/>
+            <a:ext cx="5126852" cy="1296740"/>
           </a:xfrm>
           <a:prstGeom prst="rect">
             <a:avLst/>
@@ -6716,13 +7474,13 @@
         </p:spPr>
         <p:txBody>
           <a:bodyPr spcFirstLastPara="1" wrap="square" lIns="91425" tIns="91425" rIns="91425" bIns="91425" anchor="t" anchorCtr="0">
-            <a:normAutofit/>
+            <a:noAutofit/>
           </a:bodyPr>
           <a:lstStyle/>
           <a:p>
-            <a:pPr marL="457200" lvl="0" indent="-292100" algn="l" rtl="0">
-              <a:spcBef>
-                <a:spcPts val="1000"/>
+            <a:pPr marL="914400" lvl="1" indent="-292100" algn="l" rtl="0">
+              <a:spcBef>
+                <a:spcPts val="0"/>
               </a:spcBef>
               <a:spcAft>
                 <a:spcPts val="0"/>
@@ -6731,17 +7489,17 @@
                 <a:schemeClr val="dk1"/>
               </a:buClr>
               <a:buSzPts val="1000"/>
-              <a:buChar char="●"/>
+              <a:buChar char="○"/>
             </a:pPr>
             <a:r>
-              <a:rPr lang="en" sz="1000" dirty="0">
+              <a:rPr lang="en" sz="2400" dirty="0">
                 <a:solidFill>
                   <a:schemeClr val="dk1"/>
                 </a:solidFill>
               </a:rPr>
-              <a:t>Update on the architecture, include:</a:t>
+              <a:t>No Database used so far</a:t>
             </a:r>
-            <a:endParaRPr sz="1000" dirty="0">
+            <a:endParaRPr sz="2400" dirty="0">
               <a:solidFill>
                 <a:schemeClr val="dk1"/>
               </a:solidFill>
@@ -6762,18 +7520,13 @@
               <a:buChar char="○"/>
             </a:pPr>
             <a:r>
-              <a:rPr lang="en" sz="1000" dirty="0">
+              <a:rPr lang="en" sz="2400" dirty="0">
                 <a:solidFill>
                   <a:schemeClr val="dk1"/>
                 </a:solidFill>
               </a:rPr>
-              <a:t>Database</a:t>
+              <a:t>No API used so far</a:t>
             </a:r>
-            <a:endParaRPr sz="1000" dirty="0">
-              <a:solidFill>
-                <a:schemeClr val="dk1"/>
-              </a:solidFill>
-            </a:endParaRPr>
           </a:p>
           <a:p>
             <a:pPr marL="914400" lvl="1" indent="-292100" algn="l" rtl="0">
@@ -6790,42 +7543,14 @@
               <a:buChar char="○"/>
             </a:pPr>
             <a:r>
-              <a:rPr lang="en" sz="1000" dirty="0">
+              <a:rPr lang="en" sz="2400" dirty="0">
                 <a:solidFill>
                   <a:schemeClr val="dk1"/>
                 </a:solidFill>
               </a:rPr>
-              <a:t>Fragments/activities</a:t>
+              <a:t>No user stories fufilled yet</a:t>
             </a:r>
-            <a:endParaRPr sz="1000" dirty="0">
-              <a:solidFill>
-                <a:schemeClr val="dk1"/>
-              </a:solidFill>
-            </a:endParaRPr>
-          </a:p>
-          <a:p>
-            <a:pPr marL="914400" lvl="1" indent="-292100" algn="l" rtl="0">
-              <a:spcBef>
-                <a:spcPts val="0"/>
-              </a:spcBef>
-              <a:spcAft>
-                <a:spcPts val="0"/>
-              </a:spcAft>
-              <a:buClr>
-                <a:schemeClr val="dk1"/>
-              </a:buClr>
-              <a:buSzPts val="1000"/>
-              <a:buChar char="○"/>
-            </a:pPr>
-            <a:r>
-              <a:rPr lang="en" sz="1000" dirty="0">
-                <a:solidFill>
-                  <a:schemeClr val="dk1"/>
-                </a:solidFill>
-              </a:rPr>
-              <a:t>APIs used, any changes, are they working?</a:t>
-            </a:r>
-            <a:endParaRPr dirty="0"/>
+            <a:endParaRPr sz="2400" dirty="0"/>
           </a:p>
         </p:txBody>
       </p:sp>
@@ -6867,7 +7592,7 @@
 </p:sld>
 </file>
 
-<file path=ppt/slides/slide4.xml><?xml version="1.0" encoding="utf-8"?>
+<file path=ppt/slides/slide5.xml><?xml version="1.0" encoding="utf-8"?>
 <p:sld xmlns:a="http://schemas.openxmlformats.org/drawingml/2006/main" xmlns:r="http://schemas.openxmlformats.org/officeDocument/2006/relationships" xmlns:p="http://schemas.openxmlformats.org/presentationml/2006/main">
   <p:cSld>
     <p:spTree>
@@ -6934,7 +7659,7 @@
 </p:sld>
 </file>
 
-<file path=ppt/slides/slide5.xml><?xml version="1.0" encoding="utf-8"?>
+<file path=ppt/slides/slide6.xml><?xml version="1.0" encoding="utf-8"?>
 <p:sld xmlns:a="http://schemas.openxmlformats.org/drawingml/2006/main" xmlns:r="http://schemas.openxmlformats.org/officeDocument/2006/relationships" xmlns:p="http://schemas.openxmlformats.org/presentationml/2006/main">
   <p:cSld>
     <p:spTree>
@@ -6963,8 +7688,8 @@
         </p:nvSpPr>
         <p:spPr>
           <a:xfrm>
-            <a:off x="311700" y="445025"/>
-            <a:ext cx="8520600" cy="572700"/>
+            <a:off x="4116478" y="1722941"/>
+            <a:ext cx="911044" cy="572700"/>
           </a:xfrm>
           <a:prstGeom prst="rect">
             <a:avLst/>
@@ -6986,10 +7711,10 @@
               <a:buNone/>
             </a:pPr>
             <a:r>
-              <a:rPr lang="en"/>
+              <a:rPr lang="en" dirty="0"/>
               <a:t>Risk</a:t>
             </a:r>
-            <a:endParaRPr/>
+            <a:endParaRPr dirty="0"/>
           </a:p>
         </p:txBody>
       </p:sp>
@@ -7005,8 +7730,8 @@
         </p:nvSpPr>
         <p:spPr>
           <a:xfrm>
-            <a:off x="311700" y="1152475"/>
-            <a:ext cx="8520600" cy="3416400"/>
+            <a:off x="311700" y="2518758"/>
+            <a:ext cx="8520600" cy="1356809"/>
           </a:xfrm>
           <a:prstGeom prst="rect">
             <a:avLst/>
@@ -7018,7 +7743,7 @@
           </a:bodyPr>
           <a:lstStyle/>
           <a:p>
-            <a:pPr marL="457200" lvl="0" indent="-292100" algn="l" rtl="0">
+            <a:pPr marL="457200" lvl="0" indent="-292100" algn="ctr" rtl="0">
               <a:spcBef>
                 <a:spcPts val="1000"/>
               </a:spcBef>
@@ -7032,16 +7757,16 @@
               <a:buChar char="●"/>
             </a:pPr>
             <a:r>
-              <a:rPr lang="en" sz="1000" dirty="0">
+              <a:rPr lang="en" sz="1600" dirty="0">
                 <a:solidFill>
                   <a:schemeClr val="dk1"/>
                 </a:solidFill>
               </a:rPr>
-              <a:t>What is worrying you about getting to done?</a:t>
+              <a:t>What is worrying us about getting to done? </a:t>
             </a:r>
           </a:p>
           <a:p>
-            <a:pPr marL="457200" lvl="0" indent="-292100" algn="l" rtl="0">
+            <a:pPr marL="165100" lvl="0" indent="0" algn="ctr" rtl="0">
               <a:spcBef>
                 <a:spcPts val="1000"/>
               </a:spcBef>
@@ -7052,17 +7777,16 @@
                 <a:schemeClr val="dk1"/>
               </a:buClr>
               <a:buSzPts val="1000"/>
-              <a:buChar char="●"/>
+              <a:buNone/>
             </a:pPr>
             <a:r>
-              <a:rPr lang="en" sz="1000" dirty="0">
+              <a:rPr lang="en" sz="1600" dirty="0">
                 <a:solidFill>
                   <a:schemeClr val="dk1"/>
                 </a:solidFill>
               </a:rPr>
               <a:t>API usage</a:t>
             </a:r>
-            <a:endParaRPr dirty="0"/>
           </a:p>
         </p:txBody>
       </p:sp>
@@ -7074,7 +7798,7 @@
 </p:sld>
 </file>
 
-<file path=ppt/slides/slide6.xml><?xml version="1.0" encoding="utf-8"?>
+<file path=ppt/slides/slide7.xml><?xml version="1.0" encoding="utf-8"?>
 <p:sld xmlns:a="http://schemas.openxmlformats.org/drawingml/2006/main" xmlns:r="http://schemas.openxmlformats.org/officeDocument/2006/relationships" xmlns:p="http://schemas.openxmlformats.org/presentationml/2006/main">
   <p:cSld>
     <p:spTree>
@@ -7126,10 +7850,10 @@
               <a:buNone/>
             </a:pPr>
             <a:r>
-              <a:rPr lang="en"/>
+              <a:rPr lang="en" dirty="0"/>
               <a:t>Reference &amp; AI Usage</a:t>
             </a:r>
-            <a:endParaRPr/>
+            <a:endParaRPr dirty="0"/>
           </a:p>
         </p:txBody>
       </p:sp>
@@ -7168,10 +7892,163 @@
               <a:buNone/>
             </a:pPr>
             <a:r>
-              <a:rPr lang="en"/>
-              <a:t>Chatgpt…..</a:t>
+              <a:rPr lang="en" sz="1050" dirty="0"/>
+              <a:t>1. Chatgpt Prompt</a:t>
             </a:r>
-            <a:endParaRPr/>
+          </a:p>
+          <a:p>
+            <a:pPr marL="0" lvl="0" indent="0" algn="l" rtl="0">
+              <a:spcBef>
+                <a:spcPts val="0"/>
+              </a:spcBef>
+              <a:spcAft>
+                <a:spcPts val="1200"/>
+              </a:spcAft>
+              <a:buNone/>
+            </a:pPr>
+            <a:r>
+              <a:rPr lang="en-US" sz="1050" dirty="0"/>
+              <a:t>how to insert </a:t>
+            </a:r>
+            <a:r>
+              <a:rPr lang="en-US" sz="1050" dirty="0" err="1"/>
+              <a:t>svg</a:t>
+            </a:r>
+            <a:r>
+              <a:rPr lang="en-US" sz="1050" dirty="0"/>
+              <a:t> image into a xml android file?</a:t>
+            </a:r>
+          </a:p>
+          <a:p>
+            <a:pPr marL="0" lvl="0" indent="0" algn="l" rtl="0">
+              <a:spcBef>
+                <a:spcPts val="0"/>
+              </a:spcBef>
+              <a:spcAft>
+                <a:spcPts val="1200"/>
+              </a:spcAft>
+              <a:buNone/>
+            </a:pPr>
+            <a:r>
+              <a:rPr lang="en-US" sz="1050" dirty="0"/>
+              <a:t>how to set the background to dark mode? or set dark mode for entire app?</a:t>
+            </a:r>
+          </a:p>
+          <a:p>
+            <a:pPr marL="0" lvl="0" indent="0" algn="l" rtl="0">
+              <a:spcBef>
+                <a:spcPts val="0"/>
+              </a:spcBef>
+              <a:spcAft>
+                <a:spcPts val="1200"/>
+              </a:spcAft>
+              <a:buNone/>
+            </a:pPr>
+            <a:r>
+              <a:rPr lang="en-US" sz="1050" dirty="0"/>
+              <a:t>my page is getting full, but it </a:t>
+            </a:r>
+            <a:r>
+              <a:rPr lang="en-US" sz="1050" dirty="0" err="1"/>
+              <a:t>does’t</a:t>
+            </a:r>
+            <a:r>
+              <a:rPr lang="en-US" sz="1050" dirty="0"/>
+              <a:t> seem like I can scroll down the page if I put more stuff in it does it?</a:t>
+            </a:r>
+          </a:p>
+          <a:p>
+            <a:pPr marL="0" lvl="0" indent="0" algn="l" rtl="0">
+              <a:spcBef>
+                <a:spcPts val="0"/>
+              </a:spcBef>
+              <a:spcAft>
+                <a:spcPts val="1200"/>
+              </a:spcAft>
+              <a:buNone/>
+            </a:pPr>
+            <a:r>
+              <a:rPr lang="en-US" sz="1050" dirty="0"/>
+              <a:t>2. Other Reference</a:t>
+            </a:r>
+          </a:p>
+          <a:p>
+            <a:pPr marL="0" lvl="0" indent="0" algn="l" rtl="0">
+              <a:spcBef>
+                <a:spcPts val="0"/>
+              </a:spcBef>
+              <a:spcAft>
+                <a:spcPts val="1200"/>
+              </a:spcAft>
+              <a:buNone/>
+            </a:pPr>
+            <a:r>
+              <a:rPr lang="en-US" sz="1050" dirty="0"/>
+              <a:t>a. </a:t>
+            </a:r>
+            <a:r>
+              <a:rPr lang="en-US" altLang="zh-CN" sz="1050" dirty="0" err="1">
+                <a:hlinkClick r:id="rId3"/>
+              </a:rPr>
+              <a:t>BottomNavigationView</a:t>
+            </a:r>
+            <a:r>
+              <a:rPr lang="en-US" altLang="zh-CN" sz="1050" dirty="0">
+                <a:hlinkClick r:id="rId3"/>
+              </a:rPr>
+              <a:t>  |  Android Developers</a:t>
+            </a:r>
+            <a:endParaRPr lang="en-US" altLang="zh-CN" sz="1050" dirty="0"/>
+          </a:p>
+          <a:p>
+            <a:pPr marL="0" lvl="0" indent="0" algn="l" rtl="0">
+              <a:spcBef>
+                <a:spcPts val="0"/>
+              </a:spcBef>
+              <a:spcAft>
+                <a:spcPts val="1200"/>
+              </a:spcAft>
+              <a:buNone/>
+            </a:pPr>
+            <a:r>
+              <a:rPr lang="en" sz="1050" dirty="0"/>
+              <a:t>b. </a:t>
+            </a:r>
+            <a:r>
+              <a:rPr lang="en-US" altLang="zh-CN" sz="1050" dirty="0" err="1">
+                <a:hlinkClick r:id="rId4"/>
+              </a:rPr>
+              <a:t>ScrollView</a:t>
+            </a:r>
+            <a:r>
+              <a:rPr lang="en-US" altLang="zh-CN" sz="1050" dirty="0">
+                <a:hlinkClick r:id="rId4"/>
+              </a:rPr>
+              <a:t>  |  Android Developers</a:t>
+            </a:r>
+            <a:endParaRPr lang="en-US" altLang="zh-CN" sz="1050" dirty="0"/>
+          </a:p>
+          <a:p>
+            <a:pPr marL="0" lvl="0" indent="0" algn="l" rtl="0">
+              <a:spcBef>
+                <a:spcPts val="0"/>
+              </a:spcBef>
+              <a:spcAft>
+                <a:spcPts val="1200"/>
+              </a:spcAft>
+              <a:buNone/>
+            </a:pPr>
+            <a:r>
+              <a:rPr lang="en-US" sz="1050" dirty="0"/>
+              <a:t>c. </a:t>
+            </a:r>
+            <a:r>
+              <a:rPr lang="en-US" altLang="zh-CN" sz="1050" dirty="0">
+                <a:hlinkClick r:id="rId5"/>
+              </a:rPr>
+              <a:t>Add toggle buttons  |  Android Developers</a:t>
+            </a:r>
+            <a:endParaRPr lang="en" sz="1050" dirty="0"/>
           </a:p>
         </p:txBody>
       </p:sp>

--- a/Homework7/Presentation1.pptx
+++ b/Homework7/Presentation1.pptx
@@ -6239,8 +6239,8 @@
         </p:nvSpPr>
         <p:spPr>
           <a:xfrm>
-            <a:off x="624469" y="2498338"/>
-            <a:ext cx="2520242" cy="738664"/>
+            <a:off x="624470" y="2498338"/>
+            <a:ext cx="3197088" cy="1384995"/>
           </a:xfrm>
           <a:prstGeom prst="rect">
             <a:avLst/>
@@ -6248,7 +6248,7 @@
           <a:noFill/>
         </p:spPr>
         <p:txBody>
-          <a:bodyPr wrap="none" rtlCol="0">
+          <a:bodyPr wrap="square" rtlCol="0">
             <a:spAutoFit/>
           </a:bodyPr>
           <a:lstStyle/>
@@ -6280,6 +6280,24 @@
                 </a:solidFill>
               </a:rPr>
               <a:t>Sicheng Chen</a:t>
+            </a:r>
+          </a:p>
+          <a:p>
+            <a:r>
+              <a:rPr lang="en-US" altLang="zh-CN" dirty="0">
+                <a:solidFill>
+                  <a:schemeClr val="tx2"/>
+                </a:solidFill>
+              </a:rPr>
+              <a:t>Team GitHub Repo:</a:t>
+            </a:r>
+          </a:p>
+          <a:p>
+            <a:r>
+              <a:rPr lang="en-US" altLang="zh-CN" dirty="0">
+                <a:hlinkClick r:id="rId4"/>
+              </a:rPr>
+              <a:t>csc0007/CS501_GroupWork: Group Work Only (github.com)</a:t>
             </a:r>
             <a:endParaRPr lang="zh-CN" altLang="en-US" dirty="0">
               <a:solidFill>
@@ -7688,7 +7706,7 @@
         </p:nvSpPr>
         <p:spPr>
           <a:xfrm>
-            <a:off x="4116478" y="1722941"/>
+            <a:off x="4116478" y="1122201"/>
             <a:ext cx="911044" cy="572700"/>
           </a:xfrm>
           <a:prstGeom prst="rect">
@@ -7730,7 +7748,7 @@
         </p:nvSpPr>
         <p:spPr>
           <a:xfrm>
-            <a:off x="311700" y="2518758"/>
+            <a:off x="311700" y="1893345"/>
             <a:ext cx="8520600" cy="1356809"/>
           </a:xfrm>
           <a:prstGeom prst="rect">
@@ -7739,7 +7757,7 @@
         </p:spPr>
         <p:txBody>
           <a:bodyPr spcFirstLastPara="1" wrap="square" lIns="91425" tIns="91425" rIns="91425" bIns="91425" anchor="t" anchorCtr="0">
-            <a:normAutofit/>
+            <a:normAutofit lnSpcReduction="10000"/>
           </a:bodyPr>
           <a:lstStyle/>
           <a:p>
@@ -7787,6 +7805,42 @@
               </a:rPr>
               <a:t>API usage</a:t>
             </a:r>
+          </a:p>
+          <a:p>
+            <a:pPr marL="165100" lvl="0" indent="0" algn="ctr" rtl="0">
+              <a:spcBef>
+                <a:spcPts val="1000"/>
+              </a:spcBef>
+              <a:spcAft>
+                <a:spcPts val="0"/>
+              </a:spcAft>
+              <a:buClr>
+                <a:schemeClr val="dk1"/>
+              </a:buClr>
+              <a:buSzPts val="1000"/>
+              <a:buNone/>
+            </a:pPr>
+            <a:r>
+              <a:rPr lang="en" sz="1600" dirty="0">
+                <a:solidFill>
+                  <a:schemeClr val="dk1"/>
+                </a:solidFill>
+              </a:rPr>
+              <a:t>Solution: </a:t>
+            </a:r>
+            <a:r>
+              <a:rPr lang="en-US" sz="1600" dirty="0">
+                <a:solidFill>
+                  <a:schemeClr val="dk1"/>
+                </a:solidFill>
+              </a:rPr>
+              <a:t>Divide and conquer strategy, each person is responsible for 2 APIs</a:t>
+            </a:r>
+            <a:endParaRPr lang="en" sz="1600" dirty="0">
+              <a:solidFill>
+                <a:schemeClr val="dk1"/>
+              </a:solidFill>
+            </a:endParaRPr>
           </a:p>
         </p:txBody>
       </p:sp>
